--- a/eeg.voddball/Images.pptx
+++ b/eeg.voddball/Images.pptx
@@ -356,7 +356,7 @@
           <a:p>
             <a:fld id="{E7512D7E-BE5A-4217-B140-32655DCFE25E}" type="datetimeFigureOut">
               <a:rPr lang="en-DK" smtClean="0"/>
-              <a:t>04/02/2024</a:t>
+              <a:t>16/04/2025</a:t>
             </a:fld>
             <a:endParaRPr lang="en-DK"/>
           </a:p>
@@ -668,7 +668,143 @@
           <a:bodyPr/>
           <a:lstStyle/>
           <a:p>
-            <a:endParaRPr lang="en-DK" dirty="0"/>
+            <a:pPr marL="0" marR="0" lvl="0" indent="0" algn="l" defTabSz="914400" rtl="0" eaLnBrk="1" fontAlgn="auto" latinLnBrk="0" hangingPunct="1">
+              <a:lnSpc>
+                <a:spcPct val="100000"/>
+              </a:lnSpc>
+              <a:spcBef>
+                <a:spcPts val="0"/>
+              </a:spcBef>
+              <a:spcAft>
+                <a:spcPts val="0"/>
+              </a:spcAft>
+              <a:buClrTx/>
+              <a:buSzTx/>
+              <a:buFontTx/>
+              <a:buNone/>
+              <a:tabLst/>
+              <a:defRPr/>
+            </a:pPr>
+            <a:r>
+              <a:rPr lang="en-GB" b="0" dirty="0">
+                <a:solidFill>
+                  <a:srgbClr val="3B3B3B"/>
+                </a:solidFill>
+                <a:effectLst/>
+                <a:latin typeface="Fira Code" pitchFamily="1" charset="0"/>
+              </a:rPr>
+              <a:t>blank</a:t>
+            </a:r>
+          </a:p>
+        </p:txBody>
+      </p:sp>
+      <p:sp>
+        <p:nvSpPr>
+          <p:cNvPr id="4" name="Slide Number Placeholder 3"/>
+          <p:cNvSpPr>
+            <a:spLocks noGrp="1"/>
+          </p:cNvSpPr>
+          <p:nvPr>
+            <p:ph type="sldNum" sz="quarter" idx="5"/>
+          </p:nvPr>
+        </p:nvSpPr>
+        <p:spPr/>
+        <p:txBody>
+          <a:bodyPr/>
+          <a:lstStyle/>
+          <a:p>
+            <a:fld id="{A964A866-1253-4137-80B1-C0DC28C35208}" type="slidenum">
+              <a:rPr lang="en-DK" smtClean="0"/>
+              <a:t>1</a:t>
+            </a:fld>
+            <a:endParaRPr lang="en-DK"/>
+          </a:p>
+        </p:txBody>
+      </p:sp>
+    </p:spTree>
+    <p:extLst>
+      <p:ext uri="{BB962C8B-B14F-4D97-AF65-F5344CB8AC3E}">
+        <p14:creationId xmlns:p14="http://schemas.microsoft.com/office/powerpoint/2010/main" val="1643283066"/>
+      </p:ext>
+    </p:extLst>
+  </p:cSld>
+  <p:clrMapOvr>
+    <a:masterClrMapping/>
+  </p:clrMapOvr>
+</p:notes>
+</file>
+
+<file path=ppt/notesSlides/notesSlide2.xml><?xml version="1.0" encoding="utf-8"?>
+<p:notes xmlns:a="http://schemas.openxmlformats.org/drawingml/2006/main" xmlns:r="http://schemas.openxmlformats.org/officeDocument/2006/relationships" xmlns:p="http://schemas.openxmlformats.org/presentationml/2006/main">
+  <p:cSld>
+    <p:spTree>
+      <p:nvGrpSpPr>
+        <p:cNvPr id="1" name=""/>
+        <p:cNvGrpSpPr/>
+        <p:nvPr/>
+      </p:nvGrpSpPr>
+      <p:grpSpPr>
+        <a:xfrm>
+          <a:off x="0" y="0"/>
+          <a:ext cx="0" cy="0"/>
+          <a:chOff x="0" y="0"/>
+          <a:chExt cx="0" cy="0"/>
+        </a:xfrm>
+      </p:grpSpPr>
+      <p:sp>
+        <p:nvSpPr>
+          <p:cNvPr id="2" name="Slide Image Placeholder 1"/>
+          <p:cNvSpPr>
+            <a:spLocks noGrp="1" noRot="1" noChangeAspect="1"/>
+          </p:cNvSpPr>
+          <p:nvPr>
+            <p:ph type="sldImg"/>
+          </p:nvPr>
+        </p:nvSpPr>
+        <p:spPr/>
+      </p:sp>
+      <p:sp>
+        <p:nvSpPr>
+          <p:cNvPr id="3" name="Notes Placeholder 2"/>
+          <p:cNvSpPr>
+            <a:spLocks noGrp="1"/>
+          </p:cNvSpPr>
+          <p:nvPr>
+            <p:ph type="body" idx="1"/>
+          </p:nvPr>
+        </p:nvSpPr>
+        <p:spPr/>
+        <p:txBody>
+          <a:bodyPr/>
+          <a:lstStyle/>
+          <a:p>
+            <a:pPr marL="0" marR="0" lvl="0" indent="0" algn="l" defTabSz="914400" rtl="0" eaLnBrk="1" fontAlgn="auto" latinLnBrk="0" hangingPunct="1">
+              <a:lnSpc>
+                <a:spcPct val="100000"/>
+              </a:lnSpc>
+              <a:spcBef>
+                <a:spcPts val="0"/>
+              </a:spcBef>
+              <a:spcAft>
+                <a:spcPts val="0"/>
+              </a:spcAft>
+              <a:buClrTx/>
+              <a:buSzTx/>
+              <a:buFontTx/>
+              <a:buNone/>
+              <a:tabLst/>
+              <a:defRPr/>
+            </a:pPr>
+            <a:r>
+              <a:rPr lang="en-GB" b="0" dirty="0">
+                <a:solidFill>
+                  <a:srgbClr val="3B3B3B"/>
+                </a:solidFill>
+                <a:effectLst/>
+                <a:latin typeface="Fira Code" pitchFamily="1" charset="0"/>
+              </a:rPr>
+              <a:t>normal</a:t>
+            </a:r>
           </a:p>
         </p:txBody>
       </p:sp>
@@ -699,6 +835,472 @@
     <p:extLst>
       <p:ext uri="{BB962C8B-B14F-4D97-AF65-F5344CB8AC3E}">
         <p14:creationId xmlns:p14="http://schemas.microsoft.com/office/powerpoint/2010/main" val="3317900046"/>
+      </p:ext>
+    </p:extLst>
+  </p:cSld>
+  <p:clrMapOvr>
+    <a:masterClrMapping/>
+  </p:clrMapOvr>
+</p:notes>
+</file>
+
+<file path=ppt/notesSlides/notesSlide3.xml><?xml version="1.0" encoding="utf-8"?>
+<p:notes xmlns:a="http://schemas.openxmlformats.org/drawingml/2006/main" xmlns:r="http://schemas.openxmlformats.org/officeDocument/2006/relationships" xmlns:p="http://schemas.openxmlformats.org/presentationml/2006/main">
+  <p:cSld>
+    <p:spTree>
+      <p:nvGrpSpPr>
+        <p:cNvPr id="1" name=""/>
+        <p:cNvGrpSpPr/>
+        <p:nvPr/>
+      </p:nvGrpSpPr>
+      <p:grpSpPr>
+        <a:xfrm>
+          <a:off x="0" y="0"/>
+          <a:ext cx="0" cy="0"/>
+          <a:chOff x="0" y="0"/>
+          <a:chExt cx="0" cy="0"/>
+        </a:xfrm>
+      </p:grpSpPr>
+      <p:sp>
+        <p:nvSpPr>
+          <p:cNvPr id="2" name="Slide Image Placeholder 1"/>
+          <p:cNvSpPr>
+            <a:spLocks noGrp="1" noRot="1" noChangeAspect="1"/>
+          </p:cNvSpPr>
+          <p:nvPr>
+            <p:ph type="sldImg"/>
+          </p:nvPr>
+        </p:nvSpPr>
+        <p:spPr/>
+      </p:sp>
+      <p:sp>
+        <p:nvSpPr>
+          <p:cNvPr id="3" name="Notes Placeholder 2"/>
+          <p:cNvSpPr>
+            <a:spLocks noGrp="1"/>
+          </p:cNvSpPr>
+          <p:nvPr>
+            <p:ph type="body" idx="1"/>
+          </p:nvPr>
+        </p:nvSpPr>
+        <p:spPr/>
+        <p:txBody>
+          <a:bodyPr/>
+          <a:lstStyle/>
+          <a:p>
+            <a:pPr marL="0" marR="0" lvl="0" indent="0" algn="l" defTabSz="914400" rtl="0" eaLnBrk="1" fontAlgn="auto" latinLnBrk="0" hangingPunct="1">
+              <a:lnSpc>
+                <a:spcPct val="100000"/>
+              </a:lnSpc>
+              <a:spcBef>
+                <a:spcPts val="0"/>
+              </a:spcBef>
+              <a:spcAft>
+                <a:spcPts val="0"/>
+              </a:spcAft>
+              <a:buClrTx/>
+              <a:buSzTx/>
+              <a:buFontTx/>
+              <a:buNone/>
+              <a:tabLst/>
+              <a:defRPr/>
+            </a:pPr>
+            <a:r>
+              <a:rPr lang="en-GB" b="0" dirty="0">
+                <a:solidFill>
+                  <a:srgbClr val="3B3B3B"/>
+                </a:solidFill>
+                <a:effectLst/>
+                <a:latin typeface="Fira Code" pitchFamily="1" charset="0"/>
+              </a:rPr>
+              <a:t>oddball</a:t>
+            </a:r>
+          </a:p>
+          <a:p>
+            <a:endParaRPr lang="en-DK" dirty="0"/>
+          </a:p>
+        </p:txBody>
+      </p:sp>
+      <p:sp>
+        <p:nvSpPr>
+          <p:cNvPr id="4" name="Slide Number Placeholder 3"/>
+          <p:cNvSpPr>
+            <a:spLocks noGrp="1"/>
+          </p:cNvSpPr>
+          <p:nvPr>
+            <p:ph type="sldNum" sz="quarter" idx="5"/>
+          </p:nvPr>
+        </p:nvSpPr>
+        <p:spPr/>
+        <p:txBody>
+          <a:bodyPr/>
+          <a:lstStyle/>
+          <a:p>
+            <a:fld id="{A964A866-1253-4137-80B1-C0DC28C35208}" type="slidenum">
+              <a:rPr lang="en-DK" smtClean="0"/>
+              <a:t>3</a:t>
+            </a:fld>
+            <a:endParaRPr lang="en-DK"/>
+          </a:p>
+        </p:txBody>
+      </p:sp>
+    </p:spTree>
+    <p:extLst>
+      <p:ext uri="{BB962C8B-B14F-4D97-AF65-F5344CB8AC3E}">
+        <p14:creationId xmlns:p14="http://schemas.microsoft.com/office/powerpoint/2010/main" val="1406623432"/>
+      </p:ext>
+    </p:extLst>
+  </p:cSld>
+  <p:clrMapOvr>
+    <a:masterClrMapping/>
+  </p:clrMapOvr>
+</p:notes>
+</file>
+
+<file path=ppt/notesSlides/notesSlide4.xml><?xml version="1.0" encoding="utf-8"?>
+<p:notes xmlns:a="http://schemas.openxmlformats.org/drawingml/2006/main" xmlns:r="http://schemas.openxmlformats.org/officeDocument/2006/relationships" xmlns:p="http://schemas.openxmlformats.org/presentationml/2006/main">
+  <p:cSld>
+    <p:spTree>
+      <p:nvGrpSpPr>
+        <p:cNvPr id="1" name=""/>
+        <p:cNvGrpSpPr/>
+        <p:nvPr/>
+      </p:nvGrpSpPr>
+      <p:grpSpPr>
+        <a:xfrm>
+          <a:off x="0" y="0"/>
+          <a:ext cx="0" cy="0"/>
+          <a:chOff x="0" y="0"/>
+          <a:chExt cx="0" cy="0"/>
+        </a:xfrm>
+      </p:grpSpPr>
+      <p:sp>
+        <p:nvSpPr>
+          <p:cNvPr id="2" name="Slide Image Placeholder 1"/>
+          <p:cNvSpPr>
+            <a:spLocks noGrp="1" noRot="1" noChangeAspect="1"/>
+          </p:cNvSpPr>
+          <p:nvPr>
+            <p:ph type="sldImg"/>
+          </p:nvPr>
+        </p:nvSpPr>
+        <p:spPr/>
+      </p:sp>
+      <p:sp>
+        <p:nvSpPr>
+          <p:cNvPr id="3" name="Notes Placeholder 2"/>
+          <p:cNvSpPr>
+            <a:spLocks noGrp="1"/>
+          </p:cNvSpPr>
+          <p:nvPr>
+            <p:ph type="body" idx="1"/>
+          </p:nvPr>
+        </p:nvSpPr>
+        <p:spPr/>
+        <p:txBody>
+          <a:bodyPr/>
+          <a:lstStyle/>
+          <a:p>
+            <a:pPr marL="0" marR="0" lvl="0" indent="0" algn="l" defTabSz="914400" rtl="0" eaLnBrk="1" fontAlgn="auto" latinLnBrk="0" hangingPunct="1">
+              <a:lnSpc>
+                <a:spcPct val="100000"/>
+              </a:lnSpc>
+              <a:spcBef>
+                <a:spcPts val="0"/>
+              </a:spcBef>
+              <a:spcAft>
+                <a:spcPts val="0"/>
+              </a:spcAft>
+              <a:buClrTx/>
+              <a:buSzTx/>
+              <a:buFontTx/>
+              <a:buNone/>
+              <a:tabLst/>
+              <a:defRPr/>
+            </a:pPr>
+            <a:r>
+              <a:rPr lang="en-GB" b="0" dirty="0" err="1">
+                <a:solidFill>
+                  <a:srgbClr val="3B3B3B"/>
+                </a:solidFill>
+                <a:effectLst/>
+                <a:latin typeface="Fira Code" pitchFamily="1" charset="0"/>
+              </a:rPr>
+              <a:t>countingTask</a:t>
+            </a:r>
+            <a:endParaRPr lang="en-GB" b="0" dirty="0">
+              <a:solidFill>
+                <a:srgbClr val="3B3B3B"/>
+              </a:solidFill>
+              <a:effectLst/>
+              <a:latin typeface="Fira Code" pitchFamily="1" charset="0"/>
+            </a:endParaRPr>
+          </a:p>
+          <a:p>
+            <a:endParaRPr lang="en-DK" dirty="0"/>
+          </a:p>
+        </p:txBody>
+      </p:sp>
+      <p:sp>
+        <p:nvSpPr>
+          <p:cNvPr id="4" name="Slide Number Placeholder 3"/>
+          <p:cNvSpPr>
+            <a:spLocks noGrp="1"/>
+          </p:cNvSpPr>
+          <p:nvPr>
+            <p:ph type="sldNum" sz="quarter" idx="5"/>
+          </p:nvPr>
+        </p:nvSpPr>
+        <p:spPr/>
+        <p:txBody>
+          <a:bodyPr/>
+          <a:lstStyle/>
+          <a:p>
+            <a:fld id="{A964A866-1253-4137-80B1-C0DC28C35208}" type="slidenum">
+              <a:rPr lang="en-DK" smtClean="0"/>
+              <a:t>4</a:t>
+            </a:fld>
+            <a:endParaRPr lang="en-DK"/>
+          </a:p>
+        </p:txBody>
+      </p:sp>
+    </p:spTree>
+    <p:extLst>
+      <p:ext uri="{BB962C8B-B14F-4D97-AF65-F5344CB8AC3E}">
+        <p14:creationId xmlns:p14="http://schemas.microsoft.com/office/powerpoint/2010/main" val="2828839482"/>
+      </p:ext>
+    </p:extLst>
+  </p:cSld>
+  <p:clrMapOvr>
+    <a:masterClrMapping/>
+  </p:clrMapOvr>
+</p:notes>
+</file>
+
+<file path=ppt/notesSlides/notesSlide5.xml><?xml version="1.0" encoding="utf-8"?>
+<p:notes xmlns:a="http://schemas.openxmlformats.org/drawingml/2006/main" xmlns:r="http://schemas.openxmlformats.org/officeDocument/2006/relationships" xmlns:p="http://schemas.openxmlformats.org/presentationml/2006/main">
+  <p:cSld>
+    <p:spTree>
+      <p:nvGrpSpPr>
+        <p:cNvPr id="1" name=""/>
+        <p:cNvGrpSpPr/>
+        <p:nvPr/>
+      </p:nvGrpSpPr>
+      <p:grpSpPr>
+        <a:xfrm>
+          <a:off x="0" y="0"/>
+          <a:ext cx="0" cy="0"/>
+          <a:chOff x="0" y="0"/>
+          <a:chExt cx="0" cy="0"/>
+        </a:xfrm>
+      </p:grpSpPr>
+      <p:sp>
+        <p:nvSpPr>
+          <p:cNvPr id="2" name="Slide Image Placeholder 1"/>
+          <p:cNvSpPr>
+            <a:spLocks noGrp="1" noRot="1" noChangeAspect="1"/>
+          </p:cNvSpPr>
+          <p:nvPr>
+            <p:ph type="sldImg"/>
+          </p:nvPr>
+        </p:nvSpPr>
+        <p:spPr/>
+      </p:sp>
+      <p:sp>
+        <p:nvSpPr>
+          <p:cNvPr id="3" name="Notes Placeholder 2"/>
+          <p:cNvSpPr>
+            <a:spLocks noGrp="1"/>
+          </p:cNvSpPr>
+          <p:nvPr>
+            <p:ph type="body" idx="1"/>
+          </p:nvPr>
+        </p:nvSpPr>
+        <p:spPr/>
+        <p:txBody>
+          <a:bodyPr/>
+          <a:lstStyle/>
+          <a:p>
+            <a:pPr marL="0" marR="0" lvl="0" indent="0" algn="l" defTabSz="914400" rtl="0" eaLnBrk="1" fontAlgn="auto" latinLnBrk="0" hangingPunct="1">
+              <a:lnSpc>
+                <a:spcPct val="100000"/>
+              </a:lnSpc>
+              <a:spcBef>
+                <a:spcPts val="0"/>
+              </a:spcBef>
+              <a:spcAft>
+                <a:spcPts val="0"/>
+              </a:spcAft>
+              <a:buClrTx/>
+              <a:buSzTx/>
+              <a:buFontTx/>
+              <a:buNone/>
+              <a:tabLst/>
+              <a:defRPr/>
+            </a:pPr>
+            <a:r>
+              <a:rPr lang="en-GB" b="0" dirty="0" err="1">
+                <a:solidFill>
+                  <a:srgbClr val="3B3B3B"/>
+                </a:solidFill>
+                <a:effectLst/>
+                <a:latin typeface="Fira Code" pitchFamily="1" charset="0"/>
+              </a:rPr>
+              <a:t>responseTask</a:t>
+            </a:r>
+            <a:endParaRPr lang="en-GB" b="0" dirty="0">
+              <a:solidFill>
+                <a:srgbClr val="3B3B3B"/>
+              </a:solidFill>
+              <a:effectLst/>
+              <a:latin typeface="Fira Code" pitchFamily="1" charset="0"/>
+            </a:endParaRPr>
+          </a:p>
+          <a:p>
+            <a:endParaRPr lang="en-DK" dirty="0"/>
+          </a:p>
+        </p:txBody>
+      </p:sp>
+      <p:sp>
+        <p:nvSpPr>
+          <p:cNvPr id="4" name="Slide Number Placeholder 3"/>
+          <p:cNvSpPr>
+            <a:spLocks noGrp="1"/>
+          </p:cNvSpPr>
+          <p:nvPr>
+            <p:ph type="sldNum" sz="quarter" idx="5"/>
+          </p:nvPr>
+        </p:nvSpPr>
+        <p:spPr/>
+        <p:txBody>
+          <a:bodyPr/>
+          <a:lstStyle/>
+          <a:p>
+            <a:fld id="{A964A866-1253-4137-80B1-C0DC28C35208}" type="slidenum">
+              <a:rPr lang="en-DK" smtClean="0"/>
+              <a:t>5</a:t>
+            </a:fld>
+            <a:endParaRPr lang="en-DK"/>
+          </a:p>
+        </p:txBody>
+      </p:sp>
+    </p:spTree>
+    <p:extLst>
+      <p:ext uri="{BB962C8B-B14F-4D97-AF65-F5344CB8AC3E}">
+        <p14:creationId xmlns:p14="http://schemas.microsoft.com/office/powerpoint/2010/main" val="1670276525"/>
+      </p:ext>
+    </p:extLst>
+  </p:cSld>
+  <p:clrMapOvr>
+    <a:masterClrMapping/>
+  </p:clrMapOvr>
+</p:notes>
+</file>
+
+<file path=ppt/notesSlides/notesSlide6.xml><?xml version="1.0" encoding="utf-8"?>
+<p:notes xmlns:a="http://schemas.openxmlformats.org/drawingml/2006/main" xmlns:r="http://schemas.openxmlformats.org/officeDocument/2006/relationships" xmlns:p="http://schemas.openxmlformats.org/presentationml/2006/main">
+  <p:cSld>
+    <p:spTree>
+      <p:nvGrpSpPr>
+        <p:cNvPr id="1" name=""/>
+        <p:cNvGrpSpPr/>
+        <p:nvPr/>
+      </p:nvGrpSpPr>
+      <p:grpSpPr>
+        <a:xfrm>
+          <a:off x="0" y="0"/>
+          <a:ext cx="0" cy="0"/>
+          <a:chOff x="0" y="0"/>
+          <a:chExt cx="0" cy="0"/>
+        </a:xfrm>
+      </p:grpSpPr>
+      <p:sp>
+        <p:nvSpPr>
+          <p:cNvPr id="2" name="Slide Image Placeholder 1"/>
+          <p:cNvSpPr>
+            <a:spLocks noGrp="1" noRot="1" noChangeAspect="1"/>
+          </p:cNvSpPr>
+          <p:nvPr>
+            <p:ph type="sldImg"/>
+          </p:nvPr>
+        </p:nvSpPr>
+        <p:spPr/>
+      </p:sp>
+      <p:sp>
+        <p:nvSpPr>
+          <p:cNvPr id="3" name="Notes Placeholder 2"/>
+          <p:cNvSpPr>
+            <a:spLocks noGrp="1"/>
+          </p:cNvSpPr>
+          <p:nvPr>
+            <p:ph type="body" idx="1"/>
+          </p:nvPr>
+        </p:nvSpPr>
+        <p:spPr/>
+        <p:txBody>
+          <a:bodyPr/>
+          <a:lstStyle/>
+          <a:p>
+            <a:pPr marL="0" marR="0" lvl="0" indent="0" algn="l" defTabSz="914400" rtl="0" eaLnBrk="1" fontAlgn="auto" latinLnBrk="0" hangingPunct="1">
+              <a:lnSpc>
+                <a:spcPct val="100000"/>
+              </a:lnSpc>
+              <a:spcBef>
+                <a:spcPts val="0"/>
+              </a:spcBef>
+              <a:spcAft>
+                <a:spcPts val="0"/>
+              </a:spcAft>
+              <a:buClrTx/>
+              <a:buSzTx/>
+              <a:buFontTx/>
+              <a:buNone/>
+              <a:tabLst/>
+              <a:defRPr/>
+            </a:pPr>
+            <a:r>
+              <a:rPr lang="en-GB" b="0" dirty="0">
+                <a:solidFill>
+                  <a:srgbClr val="3B3B3B"/>
+                </a:solidFill>
+                <a:effectLst/>
+                <a:latin typeface="Fira Code" pitchFamily="1" charset="0"/>
+              </a:rPr>
+              <a:t>cross</a:t>
+            </a:r>
+          </a:p>
+          <a:p>
+            <a:endParaRPr lang="en-DK" dirty="0"/>
+          </a:p>
+        </p:txBody>
+      </p:sp>
+      <p:sp>
+        <p:nvSpPr>
+          <p:cNvPr id="4" name="Slide Number Placeholder 3"/>
+          <p:cNvSpPr>
+            <a:spLocks noGrp="1"/>
+          </p:cNvSpPr>
+          <p:nvPr>
+            <p:ph type="sldNum" sz="quarter" idx="5"/>
+          </p:nvPr>
+        </p:nvSpPr>
+        <p:spPr/>
+        <p:txBody>
+          <a:bodyPr/>
+          <a:lstStyle/>
+          <a:p>
+            <a:fld id="{A964A866-1253-4137-80B1-C0DC28C35208}" type="slidenum">
+              <a:rPr lang="en-DK" smtClean="0"/>
+              <a:t>6</a:t>
+            </a:fld>
+            <a:endParaRPr lang="en-DK"/>
+          </a:p>
+        </p:txBody>
+      </p:sp>
+    </p:spTree>
+    <p:extLst>
+      <p:ext uri="{BB962C8B-B14F-4D97-AF65-F5344CB8AC3E}">
+        <p14:creationId xmlns:p14="http://schemas.microsoft.com/office/powerpoint/2010/main" val="2606250212"/>
       </p:ext>
     </p:extLst>
   </p:cSld>
@@ -1738,7 +2340,7 @@
           <p:nvPr/>
         </p:nvPicPr>
         <p:blipFill>
-          <a:blip r:embed="rId2">
+          <a:blip r:embed="rId3">
             <a:extLst>
               <a:ext uri="{28A0092B-C50C-407E-A947-70E740481C1C}">
                 <a14:useLocalDpi xmlns:a14="http://schemas.microsoft.com/office/drawing/2010/main" val="0"/>
@@ -1785,7 +2387,7 @@
           <p:nvPr/>
         </p:nvPicPr>
         <p:blipFill>
-          <a:blip r:embed="rId2">
+          <a:blip r:embed="rId3">
             <a:extLst>
               <a:ext uri="{28A0092B-C50C-407E-A947-70E740481C1C}">
                 <a14:useLocalDpi xmlns:a14="http://schemas.microsoft.com/office/drawing/2010/main" val="0"/>
@@ -1946,13 +2548,13 @@
           <p:nvPr/>
         </p:nvPicPr>
         <p:blipFill>
-          <a:blip r:embed="rId2">
+          <a:blip r:embed="rId3">
             <a:extLst>
               <a:ext uri="{28A0092B-C50C-407E-A947-70E740481C1C}">
                 <a14:useLocalDpi xmlns:a14="http://schemas.microsoft.com/office/drawing/2010/main" val="0"/>
               </a:ext>
               <a:ext uri="{96DAC541-7B7A-43D3-8B79-37D633B846F1}">
-                <asvg:svgBlip xmlns:asvg="http://schemas.microsoft.com/office/drawing/2016/SVG/main" r:embed="rId3"/>
+                <asvg:svgBlip xmlns:asvg="http://schemas.microsoft.com/office/drawing/2016/SVG/main" r:embed="rId4"/>
               </a:ext>
             </a:extLst>
           </a:blip>
